--- a/2020-01-20-김구민.pptx
+++ b/2020-01-20-김구민.pptx
@@ -262,7 +262,7 @@
             <a:fld id="{36C39FFA-0F1A-413B-9BFE-941741C2D487}" type="datetimeFigureOut">
               <a:rPr lang="ko-KR" altLang="en-US" smtClean="0"/>
               <a:pPr/>
-              <a:t>2020-01-20</a:t>
+              <a:t>2020-02-10</a:t>
             </a:fld>
             <a:endParaRPr lang="ko-KR" altLang="en-US"/>
           </a:p>
@@ -429,7 +429,7 @@
             <a:fld id="{1F54C1B5-EB92-45E6-AFCD-6AAB73579DF8}" type="datetimeFigureOut">
               <a:rPr lang="ko-KR" altLang="en-US" smtClean="0"/>
               <a:pPr/>
-              <a:t>2020-01-20</a:t>
+              <a:t>2020-02-10</a:t>
             </a:fld>
             <a:endParaRPr lang="ko-KR" altLang="en-US"/>
           </a:p>
@@ -3052,7 +3052,7 @@
           <a:p>
             <a:r>
               <a:rPr lang="en-US" altLang="ko-KR" dirty="0"/>
-              <a:t>2</a:t>
+              <a:t>3</a:t>
             </a:r>
             <a:r>
               <a:rPr lang="ko-KR" altLang="en-US" dirty="0"/>
@@ -3063,7 +3063,7 @@
           <a:p>
             <a:r>
               <a:rPr lang="en-US" altLang="ko-KR" dirty="0"/>
-              <a:t>2</a:t>
+              <a:t>3</a:t>
             </a:r>
             <a:r>
               <a:rPr lang="ko-KR" altLang="en-US" dirty="0"/>
@@ -3074,7 +3074,7 @@
           <a:p>
             <a:r>
               <a:rPr lang="en-US" altLang="ko-KR" dirty="0"/>
-              <a:t>3</a:t>
+              <a:t>4</a:t>
             </a:r>
             <a:r>
               <a:rPr lang="ko-KR" altLang="en-US" dirty="0"/>
@@ -3144,7 +3144,7 @@
           <a:p>
             <a:r>
               <a:rPr lang="en-US" altLang="ko-KR" dirty="0"/>
-              <a:t>2</a:t>
+              <a:t>3</a:t>
             </a:r>
             <a:r>
               <a:rPr lang="ko-KR" altLang="en-US" dirty="0"/>
@@ -3268,7 +3268,7 @@
           <a:p>
             <a:r>
               <a:rPr lang="en-US" altLang="ko-KR" dirty="0"/>
-              <a:t>2</a:t>
+              <a:t>3</a:t>
             </a:r>
             <a:r>
               <a:rPr lang="ko-KR" altLang="en-US" dirty="0"/>
@@ -3936,7 +3936,7 @@
           <a:p>
             <a:r>
               <a:rPr lang="en-US" altLang="ko-KR" dirty="0"/>
-              <a:t>2</a:t>
+              <a:t>3</a:t>
             </a:r>
             <a:r>
               <a:rPr lang="ko-KR" altLang="en-US" dirty="0"/>
@@ -4211,7 +4211,7 @@
         </p:blipFill>
         <p:spPr>
           <a:xfrm>
-            <a:off x="50800" y="-11296"/>
+            <a:off x="0" y="0"/>
             <a:ext cx="7905576" cy="6858000"/>
           </a:xfrm>
           <a:prstGeom prst="rect">
@@ -4536,7 +4536,7 @@
           <a:p>
             <a:r>
               <a:rPr lang="en-US" altLang="ko-KR" dirty="0"/>
-              <a:t>3</a:t>
+              <a:t>4</a:t>
             </a:r>
             <a:r>
               <a:rPr lang="ko-KR" altLang="en-US" dirty="0"/>
